--- a/Task 3.pptx
+++ b/Task 3.pptx
@@ -5,14 +5,13 @@
     <p:sldMasterId id="2147483659" r:id="rId1"/>
   </p:sldMasterIdLst>
   <p:notesMasterIdLst>
-    <p:notesMasterId r:id="rId7"/>
+    <p:notesMasterId r:id="rId6"/>
   </p:notesMasterIdLst>
   <p:sldIdLst>
-    <p:sldId id="256" r:id="rId2"/>
-    <p:sldId id="257" r:id="rId3"/>
-    <p:sldId id="258" r:id="rId4"/>
-    <p:sldId id="261" r:id="rId5"/>
-    <p:sldId id="262" r:id="rId6"/>
+    <p:sldId id="257" r:id="rId2"/>
+    <p:sldId id="258" r:id="rId3"/>
+    <p:sldId id="261" r:id="rId4"/>
+    <p:sldId id="262" r:id="rId5"/>
   </p:sldIdLst>
   <p:sldSz cx="9144000" cy="5143500" type="screen16x9"/>
   <p:notesSz cx="6858000" cy="9144000"/>
@@ -710,110 +709,6 @@
   <p:cSld>
     <p:spTree>
       <p:nvGrpSpPr>
-        <p:cNvPr id="1" name="Shape 50"/>
-        <p:cNvGrpSpPr/>
-        <p:nvPr/>
-      </p:nvGrpSpPr>
-      <p:grpSpPr>
-        <a:xfrm>
-          <a:off x="0" y="0"/>
-          <a:ext cx="0" cy="0"/>
-          <a:chOff x="0" y="0"/>
-          <a:chExt cx="0" cy="0"/>
-        </a:xfrm>
-      </p:grpSpPr>
-      <p:sp>
-        <p:nvSpPr>
-          <p:cNvPr id="51" name="Google Shape;51;p:notes"/>
-          <p:cNvSpPr>
-            <a:spLocks noGrp="1" noRot="1" noChangeAspect="1"/>
-          </p:cNvSpPr>
-          <p:nvPr>
-            <p:ph type="sldImg" idx="2"/>
-          </p:nvPr>
-        </p:nvSpPr>
-        <p:spPr>
-          <a:xfrm>
-            <a:off x="381300" y="685800"/>
-            <a:ext cx="6096075" cy="3429000"/>
-          </a:xfrm>
-          <a:custGeom>
-            <a:avLst/>
-            <a:gdLst/>
-            <a:ahLst/>
-            <a:cxnLst/>
-            <a:rect l="l" t="t" r="r" b="b"/>
-            <a:pathLst>
-              <a:path w="120000" h="120000" extrusionOk="0">
-                <a:moveTo>
-                  <a:pt x="0" y="0"/>
-                </a:moveTo>
-                <a:lnTo>
-                  <a:pt x="120000" y="0"/>
-                </a:lnTo>
-                <a:lnTo>
-                  <a:pt x="120000" y="120000"/>
-                </a:lnTo>
-                <a:lnTo>
-                  <a:pt x="0" y="120000"/>
-                </a:lnTo>
-                <a:close/>
-              </a:path>
-            </a:pathLst>
-          </a:custGeom>
-        </p:spPr>
-      </p:sp>
-      <p:sp>
-        <p:nvSpPr>
-          <p:cNvPr id="52" name="Google Shape;52;p:notes"/>
-          <p:cNvSpPr txBox="1">
-            <a:spLocks noGrp="1"/>
-          </p:cNvSpPr>
-          <p:nvPr>
-            <p:ph type="body" idx="1"/>
-          </p:nvPr>
-        </p:nvSpPr>
-        <p:spPr>
-          <a:xfrm>
-            <a:off x="685800" y="4343400"/>
-            <a:ext cx="5486400" cy="4114800"/>
-          </a:xfrm>
-          <a:prstGeom prst="rect">
-            <a:avLst/>
-          </a:prstGeom>
-        </p:spPr>
-        <p:txBody>
-          <a:bodyPr spcFirstLastPara="1" wrap="square" lIns="91425" tIns="91425" rIns="91425" bIns="91425" anchor="t" anchorCtr="0">
-            <a:noAutofit/>
-          </a:bodyPr>
-          <a:lstStyle/>
-          <a:p>
-            <a:pPr marL="0" lvl="0" indent="0" algn="l" rtl="0">
-              <a:spcBef>
-                <a:spcPts val="0"/>
-              </a:spcBef>
-              <a:spcAft>
-                <a:spcPts val="0"/>
-              </a:spcAft>
-              <a:buNone/>
-            </a:pPr>
-            <a:endParaRPr/>
-          </a:p>
-        </p:txBody>
-      </p:sp>
-    </p:spTree>
-  </p:cSld>
-  <p:clrMapOvr>
-    <a:masterClrMapping/>
-  </p:clrMapOvr>
-</p:notes>
-</file>
-
-<file path=ppt/notesSlides/notesSlide2.xml><?xml version="1.0" encoding="utf-8"?>
-<p:notes xmlns:a="http://schemas.openxmlformats.org/drawingml/2006/main" xmlns:r="http://schemas.openxmlformats.org/officeDocument/2006/relationships" xmlns:p="http://schemas.openxmlformats.org/presentationml/2006/main" showMasterSp="0" showMasterPhAnim="0">
-  <p:cSld>
-    <p:spTree>
-      <p:nvGrpSpPr>
         <p:cNvPr id="1" name="Shape 56"/>
         <p:cNvGrpSpPr/>
         <p:nvPr/>
@@ -913,7 +808,7 @@
 </p:notes>
 </file>
 
-<file path=ppt/notesSlides/notesSlide3.xml><?xml version="1.0" encoding="utf-8"?>
+<file path=ppt/notesSlides/notesSlide2.xml><?xml version="1.0" encoding="utf-8"?>
 <p:notes xmlns:a="http://schemas.openxmlformats.org/drawingml/2006/main" xmlns:r="http://schemas.openxmlformats.org/officeDocument/2006/relationships" xmlns:p="http://schemas.openxmlformats.org/presentationml/2006/main" showMasterSp="0" showMasterPhAnim="0">
   <p:cSld>
     <p:spTree>
@@ -1017,7 +912,7 @@
 </p:notes>
 </file>
 
-<file path=ppt/notesSlides/notesSlide4.xml><?xml version="1.0" encoding="utf-8"?>
+<file path=ppt/notesSlides/notesSlide3.xml><?xml version="1.0" encoding="utf-8"?>
 <p:notes xmlns:a="http://schemas.openxmlformats.org/drawingml/2006/main" xmlns:r="http://schemas.openxmlformats.org/officeDocument/2006/relationships" xmlns:p="http://schemas.openxmlformats.org/presentationml/2006/main" showMasterSp="0" showMasterPhAnim="0">
   <p:cSld>
     <p:spTree>
@@ -1121,7 +1016,7 @@
 </p:notes>
 </file>
 
-<file path=ppt/notesSlides/notesSlide5.xml><?xml version="1.0" encoding="utf-8"?>
+<file path=ppt/notesSlides/notesSlide4.xml><?xml version="1.0" encoding="utf-8"?>
 <p:notes xmlns:a="http://schemas.openxmlformats.org/drawingml/2006/main" xmlns:r="http://schemas.openxmlformats.org/officeDocument/2006/relationships" xmlns:p="http://schemas.openxmlformats.org/presentationml/2006/main" showMasterSp="0" showMasterPhAnim="0">
   <p:cSld>
     <p:spTree>
@@ -1226,11 +1121,11 @@
 </file>
 
 <file path=ppt/slideLayouts/slideLayout1.xml><?xml version="1.0" encoding="utf-8"?>
-<p:sldLayout xmlns:a="http://schemas.openxmlformats.org/drawingml/2006/main" xmlns:r="http://schemas.openxmlformats.org/officeDocument/2006/relationships" xmlns:p="http://schemas.openxmlformats.org/presentationml/2006/main" matchingName="Title slide" type="title">
-  <p:cSld name="TITLE">
+<p:sldLayout xmlns:a="http://schemas.openxmlformats.org/drawingml/2006/main" xmlns:r="http://schemas.openxmlformats.org/officeDocument/2006/relationships" xmlns:p="http://schemas.openxmlformats.org/presentationml/2006/main" matchingName="Section header" type="secHead">
+  <p:cSld name="SECTION_HEADER">
     <p:spTree>
       <p:nvGrpSpPr>
-        <p:cNvPr id="1" name="Shape 9"/>
+        <p:cNvPr id="1" name="Shape 13"/>
         <p:cNvGrpSpPr/>
         <p:nvPr/>
       </p:nvGrpSpPr>
@@ -1244,25 +1139,25 @@
       </p:grpSpPr>
       <p:sp>
         <p:nvSpPr>
-          <p:cNvPr id="10" name="Google Shape;10;p2"/>
+          <p:cNvPr id="14" name="Google Shape;14;p3"/>
           <p:cNvSpPr txBox="1">
             <a:spLocks noGrp="1"/>
           </p:cNvSpPr>
           <p:nvPr>
-            <p:ph type="ctrTitle"/>
+            <p:ph type="title"/>
           </p:nvPr>
         </p:nvSpPr>
         <p:spPr>
           <a:xfrm>
-            <a:off x="311708" y="744575"/>
-            <a:ext cx="8520600" cy="2052600"/>
+            <a:off x="311700" y="2150850"/>
+            <a:ext cx="8520600" cy="841800"/>
           </a:xfrm>
           <a:prstGeom prst="rect">
             <a:avLst/>
           </a:prstGeom>
         </p:spPr>
         <p:txBody>
-          <a:bodyPr spcFirstLastPara="1" wrap="square" lIns="91425" tIns="91425" rIns="91425" bIns="91425" anchor="b" anchorCtr="0">
+          <a:bodyPr spcFirstLastPara="1" wrap="square" lIns="91425" tIns="91425" rIns="91425" bIns="91425" anchor="ctr" anchorCtr="0">
             <a:noAutofit/>
           </a:bodyPr>
           <a:lstStyle>
@@ -1273,9 +1168,9 @@
               <a:spcAft>
                 <a:spcPts val="0"/>
               </a:spcAft>
-              <a:buSzPts val="5200"/>
-              <a:buNone/>
-              <a:defRPr sz="5200"/>
+              <a:buSzPts val="3600"/>
+              <a:buNone/>
+              <a:defRPr sz="3600"/>
             </a:lvl1pPr>
             <a:lvl2pPr lvl="1" algn="ctr">
               <a:spcBef>
@@ -1284,9 +1179,9 @@
               <a:spcAft>
                 <a:spcPts val="0"/>
               </a:spcAft>
-              <a:buSzPts val="5200"/>
-              <a:buNone/>
-              <a:defRPr sz="5200"/>
+              <a:buSzPts val="3600"/>
+              <a:buNone/>
+              <a:defRPr sz="3600"/>
             </a:lvl2pPr>
             <a:lvl3pPr lvl="2" algn="ctr">
               <a:spcBef>
@@ -1295,9 +1190,9 @@
               <a:spcAft>
                 <a:spcPts val="0"/>
               </a:spcAft>
-              <a:buSzPts val="5200"/>
-              <a:buNone/>
-              <a:defRPr sz="5200"/>
+              <a:buSzPts val="3600"/>
+              <a:buNone/>
+              <a:defRPr sz="3600"/>
             </a:lvl3pPr>
             <a:lvl4pPr lvl="3" algn="ctr">
               <a:spcBef>
@@ -1306,9 +1201,9 @@
               <a:spcAft>
                 <a:spcPts val="0"/>
               </a:spcAft>
-              <a:buSzPts val="5200"/>
-              <a:buNone/>
-              <a:defRPr sz="5200"/>
+              <a:buSzPts val="3600"/>
+              <a:buNone/>
+              <a:defRPr sz="3600"/>
             </a:lvl4pPr>
             <a:lvl5pPr lvl="4" algn="ctr">
               <a:spcBef>
@@ -1317,9 +1212,9 @@
               <a:spcAft>
                 <a:spcPts val="0"/>
               </a:spcAft>
-              <a:buSzPts val="5200"/>
-              <a:buNone/>
-              <a:defRPr sz="5200"/>
+              <a:buSzPts val="3600"/>
+              <a:buNone/>
+              <a:defRPr sz="3600"/>
             </a:lvl5pPr>
             <a:lvl6pPr lvl="5" algn="ctr">
               <a:spcBef>
@@ -1328,9 +1223,9 @@
               <a:spcAft>
                 <a:spcPts val="0"/>
               </a:spcAft>
-              <a:buSzPts val="5200"/>
-              <a:buNone/>
-              <a:defRPr sz="5200"/>
+              <a:buSzPts val="3600"/>
+              <a:buNone/>
+              <a:defRPr sz="3600"/>
             </a:lvl6pPr>
             <a:lvl7pPr lvl="6" algn="ctr">
               <a:spcBef>
@@ -1339,9 +1234,9 @@
               <a:spcAft>
                 <a:spcPts val="0"/>
               </a:spcAft>
-              <a:buSzPts val="5200"/>
-              <a:buNone/>
-              <a:defRPr sz="5200"/>
+              <a:buSzPts val="3600"/>
+              <a:buNone/>
+              <a:defRPr sz="3600"/>
             </a:lvl7pPr>
             <a:lvl8pPr lvl="7" algn="ctr">
               <a:spcBef>
@@ -1350,9 +1245,9 @@
               <a:spcAft>
                 <a:spcPts val="0"/>
               </a:spcAft>
-              <a:buSzPts val="5200"/>
-              <a:buNone/>
-              <a:defRPr sz="5200"/>
+              <a:buSzPts val="3600"/>
+              <a:buNone/>
+              <a:defRPr sz="3600"/>
             </a:lvl8pPr>
             <a:lvl9pPr lvl="8" algn="ctr">
               <a:spcBef>
@@ -1361,9 +1256,9 @@
               <a:spcAft>
                 <a:spcPts val="0"/>
               </a:spcAft>
-              <a:buSzPts val="5200"/>
-              <a:buNone/>
-              <a:defRPr sz="5200"/>
+              <a:buSzPts val="3600"/>
+              <a:buNone/>
+              <a:defRPr sz="3600"/>
             </a:lvl9pPr>
           </a:lstStyle>
           <a:p>
@@ -1373,163 +1268,7 @@
       </p:sp>
       <p:sp>
         <p:nvSpPr>
-          <p:cNvPr id="11" name="Google Shape;11;p2"/>
-          <p:cNvSpPr txBox="1">
-            <a:spLocks noGrp="1"/>
-          </p:cNvSpPr>
-          <p:nvPr>
-            <p:ph type="subTitle" idx="1"/>
-          </p:nvPr>
-        </p:nvSpPr>
-        <p:spPr>
-          <a:xfrm>
-            <a:off x="311700" y="2834125"/>
-            <a:ext cx="8520600" cy="792600"/>
-          </a:xfrm>
-          <a:prstGeom prst="rect">
-            <a:avLst/>
-          </a:prstGeom>
-        </p:spPr>
-        <p:txBody>
-          <a:bodyPr spcFirstLastPara="1" wrap="square" lIns="91425" tIns="91425" rIns="91425" bIns="91425" anchor="t" anchorCtr="0">
-            <a:noAutofit/>
-          </a:bodyPr>
-          <a:lstStyle>
-            <a:lvl1pPr lvl="0" algn="ctr">
-              <a:lnSpc>
-                <a:spcPct val="100000"/>
-              </a:lnSpc>
-              <a:spcBef>
-                <a:spcPts val="0"/>
-              </a:spcBef>
-              <a:spcAft>
-                <a:spcPts val="0"/>
-              </a:spcAft>
-              <a:buSzPts val="2800"/>
-              <a:buNone/>
-              <a:defRPr sz="2800"/>
-            </a:lvl1pPr>
-            <a:lvl2pPr lvl="1" algn="ctr">
-              <a:lnSpc>
-                <a:spcPct val="100000"/>
-              </a:lnSpc>
-              <a:spcBef>
-                <a:spcPts val="0"/>
-              </a:spcBef>
-              <a:spcAft>
-                <a:spcPts val="0"/>
-              </a:spcAft>
-              <a:buSzPts val="2800"/>
-              <a:buNone/>
-              <a:defRPr sz="2800"/>
-            </a:lvl2pPr>
-            <a:lvl3pPr lvl="2" algn="ctr">
-              <a:lnSpc>
-                <a:spcPct val="100000"/>
-              </a:lnSpc>
-              <a:spcBef>
-                <a:spcPts val="0"/>
-              </a:spcBef>
-              <a:spcAft>
-                <a:spcPts val="0"/>
-              </a:spcAft>
-              <a:buSzPts val="2800"/>
-              <a:buNone/>
-              <a:defRPr sz="2800"/>
-            </a:lvl3pPr>
-            <a:lvl4pPr lvl="3" algn="ctr">
-              <a:lnSpc>
-                <a:spcPct val="100000"/>
-              </a:lnSpc>
-              <a:spcBef>
-                <a:spcPts val="0"/>
-              </a:spcBef>
-              <a:spcAft>
-                <a:spcPts val="0"/>
-              </a:spcAft>
-              <a:buSzPts val="2800"/>
-              <a:buNone/>
-              <a:defRPr sz="2800"/>
-            </a:lvl4pPr>
-            <a:lvl5pPr lvl="4" algn="ctr">
-              <a:lnSpc>
-                <a:spcPct val="100000"/>
-              </a:lnSpc>
-              <a:spcBef>
-                <a:spcPts val="0"/>
-              </a:spcBef>
-              <a:spcAft>
-                <a:spcPts val="0"/>
-              </a:spcAft>
-              <a:buSzPts val="2800"/>
-              <a:buNone/>
-              <a:defRPr sz="2800"/>
-            </a:lvl5pPr>
-            <a:lvl6pPr lvl="5" algn="ctr">
-              <a:lnSpc>
-                <a:spcPct val="100000"/>
-              </a:lnSpc>
-              <a:spcBef>
-                <a:spcPts val="0"/>
-              </a:spcBef>
-              <a:spcAft>
-                <a:spcPts val="0"/>
-              </a:spcAft>
-              <a:buSzPts val="2800"/>
-              <a:buNone/>
-              <a:defRPr sz="2800"/>
-            </a:lvl6pPr>
-            <a:lvl7pPr lvl="6" algn="ctr">
-              <a:lnSpc>
-                <a:spcPct val="100000"/>
-              </a:lnSpc>
-              <a:spcBef>
-                <a:spcPts val="0"/>
-              </a:spcBef>
-              <a:spcAft>
-                <a:spcPts val="0"/>
-              </a:spcAft>
-              <a:buSzPts val="2800"/>
-              <a:buNone/>
-              <a:defRPr sz="2800"/>
-            </a:lvl7pPr>
-            <a:lvl8pPr lvl="7" algn="ctr">
-              <a:lnSpc>
-                <a:spcPct val="100000"/>
-              </a:lnSpc>
-              <a:spcBef>
-                <a:spcPts val="0"/>
-              </a:spcBef>
-              <a:spcAft>
-                <a:spcPts val="0"/>
-              </a:spcAft>
-              <a:buSzPts val="2800"/>
-              <a:buNone/>
-              <a:defRPr sz="2800"/>
-            </a:lvl8pPr>
-            <a:lvl9pPr lvl="8" algn="ctr">
-              <a:lnSpc>
-                <a:spcPct val="100000"/>
-              </a:lnSpc>
-              <a:spcBef>
-                <a:spcPts val="0"/>
-              </a:spcBef>
-              <a:spcAft>
-                <a:spcPts val="0"/>
-              </a:spcAft>
-              <a:buSzPts val="2800"/>
-              <a:buNone/>
-              <a:defRPr sz="2800"/>
-            </a:lvl9pPr>
-          </a:lstStyle>
-          <a:p>
-            <a:endParaRPr/>
-          </a:p>
-        </p:txBody>
-      </p:sp>
-      <p:sp>
-        <p:nvSpPr>
-          <p:cNvPr id="12" name="Google Shape;12;p2"/>
+          <p:cNvPr id="15" name="Google Shape;15;p3"/>
           <p:cNvSpPr txBox="1">
             <a:spLocks noGrp="1"/>
           </p:cNvSpPr>
@@ -1615,370 +1354,6 @@
 </file>
 
 <file path=ppt/slideLayouts/slideLayout10.xml><?xml version="1.0" encoding="utf-8"?>
-<p:sldLayout xmlns:a="http://schemas.openxmlformats.org/drawingml/2006/main" xmlns:r="http://schemas.openxmlformats.org/officeDocument/2006/relationships" xmlns:p="http://schemas.openxmlformats.org/presentationml/2006/main" matchingName="Big number">
-  <p:cSld name="BIG_NUMBER">
-    <p:spTree>
-      <p:nvGrpSpPr>
-        <p:cNvPr id="1" name="Shape 44"/>
-        <p:cNvGrpSpPr/>
-        <p:nvPr/>
-      </p:nvGrpSpPr>
-      <p:grpSpPr>
-        <a:xfrm>
-          <a:off x="0" y="0"/>
-          <a:ext cx="0" cy="0"/>
-          <a:chOff x="0" y="0"/>
-          <a:chExt cx="0" cy="0"/>
-        </a:xfrm>
-      </p:grpSpPr>
-      <p:sp>
-        <p:nvSpPr>
-          <p:cNvPr id="45" name="Google Shape;45;p11"/>
-          <p:cNvSpPr txBox="1">
-            <a:spLocks noGrp="1"/>
-          </p:cNvSpPr>
-          <p:nvPr>
-            <p:ph type="title" hasCustomPrompt="1"/>
-          </p:nvPr>
-        </p:nvSpPr>
-        <p:spPr>
-          <a:xfrm>
-            <a:off x="311700" y="1106125"/>
-            <a:ext cx="8520600" cy="1963500"/>
-          </a:xfrm>
-          <a:prstGeom prst="rect">
-            <a:avLst/>
-          </a:prstGeom>
-        </p:spPr>
-        <p:txBody>
-          <a:bodyPr spcFirstLastPara="1" wrap="square" lIns="91425" tIns="91425" rIns="91425" bIns="91425" anchor="b" anchorCtr="0">
-            <a:noAutofit/>
-          </a:bodyPr>
-          <a:lstStyle>
-            <a:lvl1pPr lvl="0" algn="ctr">
-              <a:spcBef>
-                <a:spcPts val="0"/>
-              </a:spcBef>
-              <a:spcAft>
-                <a:spcPts val="0"/>
-              </a:spcAft>
-              <a:buSzPts val="12000"/>
-              <a:buNone/>
-              <a:defRPr sz="12000"/>
-            </a:lvl1pPr>
-            <a:lvl2pPr lvl="1" algn="ctr">
-              <a:spcBef>
-                <a:spcPts val="0"/>
-              </a:spcBef>
-              <a:spcAft>
-                <a:spcPts val="0"/>
-              </a:spcAft>
-              <a:buSzPts val="12000"/>
-              <a:buNone/>
-              <a:defRPr sz="12000"/>
-            </a:lvl2pPr>
-            <a:lvl3pPr lvl="2" algn="ctr">
-              <a:spcBef>
-                <a:spcPts val="0"/>
-              </a:spcBef>
-              <a:spcAft>
-                <a:spcPts val="0"/>
-              </a:spcAft>
-              <a:buSzPts val="12000"/>
-              <a:buNone/>
-              <a:defRPr sz="12000"/>
-            </a:lvl3pPr>
-            <a:lvl4pPr lvl="3" algn="ctr">
-              <a:spcBef>
-                <a:spcPts val="0"/>
-              </a:spcBef>
-              <a:spcAft>
-                <a:spcPts val="0"/>
-              </a:spcAft>
-              <a:buSzPts val="12000"/>
-              <a:buNone/>
-              <a:defRPr sz="12000"/>
-            </a:lvl4pPr>
-            <a:lvl5pPr lvl="4" algn="ctr">
-              <a:spcBef>
-                <a:spcPts val="0"/>
-              </a:spcBef>
-              <a:spcAft>
-                <a:spcPts val="0"/>
-              </a:spcAft>
-              <a:buSzPts val="12000"/>
-              <a:buNone/>
-              <a:defRPr sz="12000"/>
-            </a:lvl5pPr>
-            <a:lvl6pPr lvl="5" algn="ctr">
-              <a:spcBef>
-                <a:spcPts val="0"/>
-              </a:spcBef>
-              <a:spcAft>
-                <a:spcPts val="0"/>
-              </a:spcAft>
-              <a:buSzPts val="12000"/>
-              <a:buNone/>
-              <a:defRPr sz="12000"/>
-            </a:lvl6pPr>
-            <a:lvl7pPr lvl="6" algn="ctr">
-              <a:spcBef>
-                <a:spcPts val="0"/>
-              </a:spcBef>
-              <a:spcAft>
-                <a:spcPts val="0"/>
-              </a:spcAft>
-              <a:buSzPts val="12000"/>
-              <a:buNone/>
-              <a:defRPr sz="12000"/>
-            </a:lvl7pPr>
-            <a:lvl8pPr lvl="7" algn="ctr">
-              <a:spcBef>
-                <a:spcPts val="0"/>
-              </a:spcBef>
-              <a:spcAft>
-                <a:spcPts val="0"/>
-              </a:spcAft>
-              <a:buSzPts val="12000"/>
-              <a:buNone/>
-              <a:defRPr sz="12000"/>
-            </a:lvl8pPr>
-            <a:lvl9pPr lvl="8" algn="ctr">
-              <a:spcBef>
-                <a:spcPts val="0"/>
-              </a:spcBef>
-              <a:spcAft>
-                <a:spcPts val="0"/>
-              </a:spcAft>
-              <a:buSzPts val="12000"/>
-              <a:buNone/>
-              <a:defRPr sz="12000"/>
-            </a:lvl9pPr>
-          </a:lstStyle>
-          <a:p>
-            <a:r>
-              <a:t>xx%</a:t>
-            </a:r>
-          </a:p>
-        </p:txBody>
-      </p:sp>
-      <p:sp>
-        <p:nvSpPr>
-          <p:cNvPr id="46" name="Google Shape;46;p11"/>
-          <p:cNvSpPr txBox="1">
-            <a:spLocks noGrp="1"/>
-          </p:cNvSpPr>
-          <p:nvPr>
-            <p:ph type="body" idx="1"/>
-          </p:nvPr>
-        </p:nvSpPr>
-        <p:spPr>
-          <a:xfrm>
-            <a:off x="311700" y="3152225"/>
-            <a:ext cx="8520600" cy="1300800"/>
-          </a:xfrm>
-          <a:prstGeom prst="rect">
-            <a:avLst/>
-          </a:prstGeom>
-        </p:spPr>
-        <p:txBody>
-          <a:bodyPr spcFirstLastPara="1" wrap="square" lIns="91425" tIns="91425" rIns="91425" bIns="91425" anchor="t" anchorCtr="0">
-            <a:noAutofit/>
-          </a:bodyPr>
-          <a:lstStyle>
-            <a:lvl1pPr marL="457200" lvl="0" indent="-342900" algn="ctr">
-              <a:spcBef>
-                <a:spcPts val="0"/>
-              </a:spcBef>
-              <a:spcAft>
-                <a:spcPts val="0"/>
-              </a:spcAft>
-              <a:buSzPts val="1800"/>
-              <a:buChar char="●"/>
-              <a:defRPr/>
-            </a:lvl1pPr>
-            <a:lvl2pPr marL="914400" lvl="1" indent="-317500" algn="ctr">
-              <a:spcBef>
-                <a:spcPts val="0"/>
-              </a:spcBef>
-              <a:spcAft>
-                <a:spcPts val="0"/>
-              </a:spcAft>
-              <a:buSzPts val="1400"/>
-              <a:buChar char="○"/>
-              <a:defRPr/>
-            </a:lvl2pPr>
-            <a:lvl3pPr marL="1371600" lvl="2" indent="-317500" algn="ctr">
-              <a:spcBef>
-                <a:spcPts val="0"/>
-              </a:spcBef>
-              <a:spcAft>
-                <a:spcPts val="0"/>
-              </a:spcAft>
-              <a:buSzPts val="1400"/>
-              <a:buChar char="■"/>
-              <a:defRPr/>
-            </a:lvl3pPr>
-            <a:lvl4pPr marL="1828800" lvl="3" indent="-317500" algn="ctr">
-              <a:spcBef>
-                <a:spcPts val="0"/>
-              </a:spcBef>
-              <a:spcAft>
-                <a:spcPts val="0"/>
-              </a:spcAft>
-              <a:buSzPts val="1400"/>
-              <a:buChar char="●"/>
-              <a:defRPr/>
-            </a:lvl4pPr>
-            <a:lvl5pPr marL="2286000" lvl="4" indent="-317500" algn="ctr">
-              <a:spcBef>
-                <a:spcPts val="0"/>
-              </a:spcBef>
-              <a:spcAft>
-                <a:spcPts val="0"/>
-              </a:spcAft>
-              <a:buSzPts val="1400"/>
-              <a:buChar char="○"/>
-              <a:defRPr/>
-            </a:lvl5pPr>
-            <a:lvl6pPr marL="2743200" lvl="5" indent="-317500" algn="ctr">
-              <a:spcBef>
-                <a:spcPts val="0"/>
-              </a:spcBef>
-              <a:spcAft>
-                <a:spcPts val="0"/>
-              </a:spcAft>
-              <a:buSzPts val="1400"/>
-              <a:buChar char="■"/>
-              <a:defRPr/>
-            </a:lvl6pPr>
-            <a:lvl7pPr marL="3200400" lvl="6" indent="-317500" algn="ctr">
-              <a:spcBef>
-                <a:spcPts val="0"/>
-              </a:spcBef>
-              <a:spcAft>
-                <a:spcPts val="0"/>
-              </a:spcAft>
-              <a:buSzPts val="1400"/>
-              <a:buChar char="●"/>
-              <a:defRPr/>
-            </a:lvl7pPr>
-            <a:lvl8pPr marL="3657600" lvl="7" indent="-317500" algn="ctr">
-              <a:spcBef>
-                <a:spcPts val="0"/>
-              </a:spcBef>
-              <a:spcAft>
-                <a:spcPts val="0"/>
-              </a:spcAft>
-              <a:buSzPts val="1400"/>
-              <a:buChar char="○"/>
-              <a:defRPr/>
-            </a:lvl8pPr>
-            <a:lvl9pPr marL="4114800" lvl="8" indent="-317500" algn="ctr">
-              <a:spcBef>
-                <a:spcPts val="0"/>
-              </a:spcBef>
-              <a:spcAft>
-                <a:spcPts val="0"/>
-              </a:spcAft>
-              <a:buSzPts val="1400"/>
-              <a:buChar char="■"/>
-              <a:defRPr/>
-            </a:lvl9pPr>
-          </a:lstStyle>
-          <a:p>
-            <a:endParaRPr/>
-          </a:p>
-        </p:txBody>
-      </p:sp>
-      <p:sp>
-        <p:nvSpPr>
-          <p:cNvPr id="47" name="Google Shape;47;p11"/>
-          <p:cNvSpPr txBox="1">
-            <a:spLocks noGrp="1"/>
-          </p:cNvSpPr>
-          <p:nvPr>
-            <p:ph type="sldNum" idx="12"/>
-          </p:nvPr>
-        </p:nvSpPr>
-        <p:spPr>
-          <a:xfrm>
-            <a:off x="8472458" y="4663217"/>
-            <a:ext cx="548700" cy="393600"/>
-          </a:xfrm>
-          <a:prstGeom prst="rect">
-            <a:avLst/>
-          </a:prstGeom>
-        </p:spPr>
-        <p:txBody>
-          <a:bodyPr spcFirstLastPara="1" wrap="square" lIns="91425" tIns="91425" rIns="91425" bIns="91425" anchor="ctr" anchorCtr="0">
-            <a:noAutofit/>
-          </a:bodyPr>
-          <a:lstStyle>
-            <a:lvl1pPr lvl="0">
-              <a:buNone/>
-              <a:defRPr/>
-            </a:lvl1pPr>
-            <a:lvl2pPr lvl="1">
-              <a:buNone/>
-              <a:defRPr/>
-            </a:lvl2pPr>
-            <a:lvl3pPr lvl="2">
-              <a:buNone/>
-              <a:defRPr/>
-            </a:lvl3pPr>
-            <a:lvl4pPr lvl="3">
-              <a:buNone/>
-              <a:defRPr/>
-            </a:lvl4pPr>
-            <a:lvl5pPr lvl="4">
-              <a:buNone/>
-              <a:defRPr/>
-            </a:lvl5pPr>
-            <a:lvl6pPr lvl="5">
-              <a:buNone/>
-              <a:defRPr/>
-            </a:lvl6pPr>
-            <a:lvl7pPr lvl="6">
-              <a:buNone/>
-              <a:defRPr/>
-            </a:lvl7pPr>
-            <a:lvl8pPr lvl="7">
-              <a:buNone/>
-              <a:defRPr/>
-            </a:lvl8pPr>
-            <a:lvl9pPr lvl="8">
-              <a:buNone/>
-              <a:defRPr/>
-            </a:lvl9pPr>
-          </a:lstStyle>
-          <a:p>
-            <a:pPr marL="0" lvl="0" indent="0" algn="r" rtl="0">
-              <a:spcBef>
-                <a:spcPts val="0"/>
-              </a:spcBef>
-              <a:spcAft>
-                <a:spcPts val="0"/>
-              </a:spcAft>
-              <a:buNone/>
-            </a:pPr>
-            <a:fld id="{00000000-1234-1234-1234-123412341234}" type="slidenum">
-              <a:rPr lang="en-GB"/>
-              <a:t>‹#›</a:t>
-            </a:fld>
-            <a:endParaRPr/>
-          </a:p>
-        </p:txBody>
-      </p:sp>
-    </p:spTree>
-  </p:cSld>
-  <p:clrMapOvr>
-    <a:masterClrMapping/>
-  </p:clrMapOvr>
-</p:sldLayout>
-</file>
-
-<file path=ppt/slideLayouts/slideLayout11.xml><?xml version="1.0" encoding="utf-8"?>
 <p:sldLayout xmlns:a="http://schemas.openxmlformats.org/drawingml/2006/main" xmlns:r="http://schemas.openxmlformats.org/officeDocument/2006/relationships" xmlns:p="http://schemas.openxmlformats.org/presentationml/2006/main" matchingName="Blank" type="blank">
   <p:cSld name="BLANK">
     <p:spTree>
@@ -2083,239 +1458,6 @@
 </file>
 
 <file path=ppt/slideLayouts/slideLayout2.xml><?xml version="1.0" encoding="utf-8"?>
-<p:sldLayout xmlns:a="http://schemas.openxmlformats.org/drawingml/2006/main" xmlns:r="http://schemas.openxmlformats.org/officeDocument/2006/relationships" xmlns:p="http://schemas.openxmlformats.org/presentationml/2006/main" matchingName="Section header" type="secHead">
-  <p:cSld name="SECTION_HEADER">
-    <p:spTree>
-      <p:nvGrpSpPr>
-        <p:cNvPr id="1" name="Shape 13"/>
-        <p:cNvGrpSpPr/>
-        <p:nvPr/>
-      </p:nvGrpSpPr>
-      <p:grpSpPr>
-        <a:xfrm>
-          <a:off x="0" y="0"/>
-          <a:ext cx="0" cy="0"/>
-          <a:chOff x="0" y="0"/>
-          <a:chExt cx="0" cy="0"/>
-        </a:xfrm>
-      </p:grpSpPr>
-      <p:sp>
-        <p:nvSpPr>
-          <p:cNvPr id="14" name="Google Shape;14;p3"/>
-          <p:cNvSpPr txBox="1">
-            <a:spLocks noGrp="1"/>
-          </p:cNvSpPr>
-          <p:nvPr>
-            <p:ph type="title"/>
-          </p:nvPr>
-        </p:nvSpPr>
-        <p:spPr>
-          <a:xfrm>
-            <a:off x="311700" y="2150850"/>
-            <a:ext cx="8520600" cy="841800"/>
-          </a:xfrm>
-          <a:prstGeom prst="rect">
-            <a:avLst/>
-          </a:prstGeom>
-        </p:spPr>
-        <p:txBody>
-          <a:bodyPr spcFirstLastPara="1" wrap="square" lIns="91425" tIns="91425" rIns="91425" bIns="91425" anchor="ctr" anchorCtr="0">
-            <a:noAutofit/>
-          </a:bodyPr>
-          <a:lstStyle>
-            <a:lvl1pPr lvl="0" algn="ctr">
-              <a:spcBef>
-                <a:spcPts val="0"/>
-              </a:spcBef>
-              <a:spcAft>
-                <a:spcPts val="0"/>
-              </a:spcAft>
-              <a:buSzPts val="3600"/>
-              <a:buNone/>
-              <a:defRPr sz="3600"/>
-            </a:lvl1pPr>
-            <a:lvl2pPr lvl="1" algn="ctr">
-              <a:spcBef>
-                <a:spcPts val="0"/>
-              </a:spcBef>
-              <a:spcAft>
-                <a:spcPts val="0"/>
-              </a:spcAft>
-              <a:buSzPts val="3600"/>
-              <a:buNone/>
-              <a:defRPr sz="3600"/>
-            </a:lvl2pPr>
-            <a:lvl3pPr lvl="2" algn="ctr">
-              <a:spcBef>
-                <a:spcPts val="0"/>
-              </a:spcBef>
-              <a:spcAft>
-                <a:spcPts val="0"/>
-              </a:spcAft>
-              <a:buSzPts val="3600"/>
-              <a:buNone/>
-              <a:defRPr sz="3600"/>
-            </a:lvl3pPr>
-            <a:lvl4pPr lvl="3" algn="ctr">
-              <a:spcBef>
-                <a:spcPts val="0"/>
-              </a:spcBef>
-              <a:spcAft>
-                <a:spcPts val="0"/>
-              </a:spcAft>
-              <a:buSzPts val="3600"/>
-              <a:buNone/>
-              <a:defRPr sz="3600"/>
-            </a:lvl4pPr>
-            <a:lvl5pPr lvl="4" algn="ctr">
-              <a:spcBef>
-                <a:spcPts val="0"/>
-              </a:spcBef>
-              <a:spcAft>
-                <a:spcPts val="0"/>
-              </a:spcAft>
-              <a:buSzPts val="3600"/>
-              <a:buNone/>
-              <a:defRPr sz="3600"/>
-            </a:lvl5pPr>
-            <a:lvl6pPr lvl="5" algn="ctr">
-              <a:spcBef>
-                <a:spcPts val="0"/>
-              </a:spcBef>
-              <a:spcAft>
-                <a:spcPts val="0"/>
-              </a:spcAft>
-              <a:buSzPts val="3600"/>
-              <a:buNone/>
-              <a:defRPr sz="3600"/>
-            </a:lvl6pPr>
-            <a:lvl7pPr lvl="6" algn="ctr">
-              <a:spcBef>
-                <a:spcPts val="0"/>
-              </a:spcBef>
-              <a:spcAft>
-                <a:spcPts val="0"/>
-              </a:spcAft>
-              <a:buSzPts val="3600"/>
-              <a:buNone/>
-              <a:defRPr sz="3600"/>
-            </a:lvl7pPr>
-            <a:lvl8pPr lvl="7" algn="ctr">
-              <a:spcBef>
-                <a:spcPts val="0"/>
-              </a:spcBef>
-              <a:spcAft>
-                <a:spcPts val="0"/>
-              </a:spcAft>
-              <a:buSzPts val="3600"/>
-              <a:buNone/>
-              <a:defRPr sz="3600"/>
-            </a:lvl8pPr>
-            <a:lvl9pPr lvl="8" algn="ctr">
-              <a:spcBef>
-                <a:spcPts val="0"/>
-              </a:spcBef>
-              <a:spcAft>
-                <a:spcPts val="0"/>
-              </a:spcAft>
-              <a:buSzPts val="3600"/>
-              <a:buNone/>
-              <a:defRPr sz="3600"/>
-            </a:lvl9pPr>
-          </a:lstStyle>
-          <a:p>
-            <a:endParaRPr/>
-          </a:p>
-        </p:txBody>
-      </p:sp>
-      <p:sp>
-        <p:nvSpPr>
-          <p:cNvPr id="15" name="Google Shape;15;p3"/>
-          <p:cNvSpPr txBox="1">
-            <a:spLocks noGrp="1"/>
-          </p:cNvSpPr>
-          <p:nvPr>
-            <p:ph type="sldNum" idx="12"/>
-          </p:nvPr>
-        </p:nvSpPr>
-        <p:spPr>
-          <a:xfrm>
-            <a:off x="8472458" y="4663217"/>
-            <a:ext cx="548700" cy="393600"/>
-          </a:xfrm>
-          <a:prstGeom prst="rect">
-            <a:avLst/>
-          </a:prstGeom>
-        </p:spPr>
-        <p:txBody>
-          <a:bodyPr spcFirstLastPara="1" wrap="square" lIns="91425" tIns="91425" rIns="91425" bIns="91425" anchor="ctr" anchorCtr="0">
-            <a:noAutofit/>
-          </a:bodyPr>
-          <a:lstStyle>
-            <a:lvl1pPr lvl="0">
-              <a:buNone/>
-              <a:defRPr/>
-            </a:lvl1pPr>
-            <a:lvl2pPr lvl="1">
-              <a:buNone/>
-              <a:defRPr/>
-            </a:lvl2pPr>
-            <a:lvl3pPr lvl="2">
-              <a:buNone/>
-              <a:defRPr/>
-            </a:lvl3pPr>
-            <a:lvl4pPr lvl="3">
-              <a:buNone/>
-              <a:defRPr/>
-            </a:lvl4pPr>
-            <a:lvl5pPr lvl="4">
-              <a:buNone/>
-              <a:defRPr/>
-            </a:lvl5pPr>
-            <a:lvl6pPr lvl="5">
-              <a:buNone/>
-              <a:defRPr/>
-            </a:lvl6pPr>
-            <a:lvl7pPr lvl="6">
-              <a:buNone/>
-              <a:defRPr/>
-            </a:lvl7pPr>
-            <a:lvl8pPr lvl="7">
-              <a:buNone/>
-              <a:defRPr/>
-            </a:lvl8pPr>
-            <a:lvl9pPr lvl="8">
-              <a:buNone/>
-              <a:defRPr/>
-            </a:lvl9pPr>
-          </a:lstStyle>
-          <a:p>
-            <a:pPr marL="0" lvl="0" indent="0" algn="r" rtl="0">
-              <a:spcBef>
-                <a:spcPts val="0"/>
-              </a:spcBef>
-              <a:spcAft>
-                <a:spcPts val="0"/>
-              </a:spcAft>
-              <a:buNone/>
-            </a:pPr>
-            <a:fld id="{00000000-1234-1234-1234-123412341234}" type="slidenum">
-              <a:rPr lang="en-GB"/>
-              <a:t>‹#›</a:t>
-            </a:fld>
-            <a:endParaRPr/>
-          </a:p>
-        </p:txBody>
-      </p:sp>
-    </p:spTree>
-  </p:cSld>
-  <p:clrMapOvr>
-    <a:masterClrMapping/>
-  </p:clrMapOvr>
-</p:sldLayout>
-</file>
-
-<file path=ppt/slideLayouts/slideLayout3.xml><?xml version="1.0" encoding="utf-8"?>
 <p:sldLayout xmlns:a="http://schemas.openxmlformats.org/drawingml/2006/main" xmlns:r="http://schemas.openxmlformats.org/officeDocument/2006/relationships" xmlns:p="http://schemas.openxmlformats.org/presentationml/2006/main" matchingName="Title and body" type="tx">
   <p:cSld name="TITLE_AND_BODY">
     <p:spTree>
@@ -2677,7 +1819,7 @@
 </p:sldLayout>
 </file>
 
-<file path=ppt/slideLayouts/slideLayout4.xml><?xml version="1.0" encoding="utf-8"?>
+<file path=ppt/slideLayouts/slideLayout3.xml><?xml version="1.0" encoding="utf-8"?>
 <p:sldLayout xmlns:a="http://schemas.openxmlformats.org/drawingml/2006/main" xmlns:r="http://schemas.openxmlformats.org/officeDocument/2006/relationships" xmlns:p="http://schemas.openxmlformats.org/presentationml/2006/main" matchingName="Title and two columns" type="twoColTx">
   <p:cSld name="TITLE_AND_TWO_COLUMNS">
     <p:spTree>
@@ -3168,7 +2310,7 @@
 </p:sldLayout>
 </file>
 
-<file path=ppt/slideLayouts/slideLayout5.xml><?xml version="1.0" encoding="utf-8"?>
+<file path=ppt/slideLayouts/slideLayout4.xml><?xml version="1.0" encoding="utf-8"?>
 <p:sldLayout xmlns:a="http://schemas.openxmlformats.org/drawingml/2006/main" xmlns:r="http://schemas.openxmlformats.org/officeDocument/2006/relationships" xmlns:p="http://schemas.openxmlformats.org/presentationml/2006/main" matchingName="Title only" type="titleOnly">
   <p:cSld name="TITLE_ONLY">
     <p:spTree>
@@ -3401,7 +2543,7 @@
 </p:sldLayout>
 </file>
 
-<file path=ppt/slideLayouts/slideLayout6.xml><?xml version="1.0" encoding="utf-8"?>
+<file path=ppt/slideLayouts/slideLayout5.xml><?xml version="1.0" encoding="utf-8"?>
 <p:sldLayout xmlns:a="http://schemas.openxmlformats.org/drawingml/2006/main" xmlns:r="http://schemas.openxmlformats.org/officeDocument/2006/relationships" xmlns:p="http://schemas.openxmlformats.org/presentationml/2006/main" matchingName="One column text">
   <p:cSld name="ONE_COLUMN_TEXT">
     <p:spTree>
@@ -3763,7 +2905,7 @@
 </p:sldLayout>
 </file>
 
-<file path=ppt/slideLayouts/slideLayout7.xml><?xml version="1.0" encoding="utf-8"?>
+<file path=ppt/slideLayouts/slideLayout6.xml><?xml version="1.0" encoding="utf-8"?>
 <p:sldLayout xmlns:a="http://schemas.openxmlformats.org/drawingml/2006/main" xmlns:r="http://schemas.openxmlformats.org/officeDocument/2006/relationships" xmlns:p="http://schemas.openxmlformats.org/presentationml/2006/main" matchingName="Main point">
   <p:cSld name="MAIN_POINT">
     <p:spTree>
@@ -3996,7 +3138,7 @@
 </p:sldLayout>
 </file>
 
-<file path=ppt/slideLayouts/slideLayout8.xml><?xml version="1.0" encoding="utf-8"?>
+<file path=ppt/slideLayouts/slideLayout7.xml><?xml version="1.0" encoding="utf-8"?>
 <p:sldLayout xmlns:a="http://schemas.openxmlformats.org/drawingml/2006/main" xmlns:r="http://schemas.openxmlformats.org/officeDocument/2006/relationships" xmlns:p="http://schemas.openxmlformats.org/presentationml/2006/main" matchingName="Section title and description">
   <p:cSld name="SECTION_TITLE_AND_DESCRIPTION">
     <p:spTree>
@@ -4554,7 +3696,7 @@
 </p:sldLayout>
 </file>
 
-<file path=ppt/slideLayouts/slideLayout9.xml><?xml version="1.0" encoding="utf-8"?>
+<file path=ppt/slideLayouts/slideLayout8.xml><?xml version="1.0" encoding="utf-8"?>
 <p:sldLayout xmlns:a="http://schemas.openxmlformats.org/drawingml/2006/main" xmlns:r="http://schemas.openxmlformats.org/officeDocument/2006/relationships" xmlns:p="http://schemas.openxmlformats.org/presentationml/2006/main" matchingName="Caption">
   <p:cSld name="CAPTION_ONLY">
     <p:spTree>
@@ -4618,6 +3760,370 @@
       <p:sp>
         <p:nvSpPr>
           <p:cNvPr id="43" name="Google Shape;43;p10"/>
+          <p:cNvSpPr txBox="1">
+            <a:spLocks noGrp="1"/>
+          </p:cNvSpPr>
+          <p:nvPr>
+            <p:ph type="sldNum" idx="12"/>
+          </p:nvPr>
+        </p:nvSpPr>
+        <p:spPr>
+          <a:xfrm>
+            <a:off x="8472458" y="4663217"/>
+            <a:ext cx="548700" cy="393600"/>
+          </a:xfrm>
+          <a:prstGeom prst="rect">
+            <a:avLst/>
+          </a:prstGeom>
+        </p:spPr>
+        <p:txBody>
+          <a:bodyPr spcFirstLastPara="1" wrap="square" lIns="91425" tIns="91425" rIns="91425" bIns="91425" anchor="ctr" anchorCtr="0">
+            <a:noAutofit/>
+          </a:bodyPr>
+          <a:lstStyle>
+            <a:lvl1pPr lvl="0">
+              <a:buNone/>
+              <a:defRPr/>
+            </a:lvl1pPr>
+            <a:lvl2pPr lvl="1">
+              <a:buNone/>
+              <a:defRPr/>
+            </a:lvl2pPr>
+            <a:lvl3pPr lvl="2">
+              <a:buNone/>
+              <a:defRPr/>
+            </a:lvl3pPr>
+            <a:lvl4pPr lvl="3">
+              <a:buNone/>
+              <a:defRPr/>
+            </a:lvl4pPr>
+            <a:lvl5pPr lvl="4">
+              <a:buNone/>
+              <a:defRPr/>
+            </a:lvl5pPr>
+            <a:lvl6pPr lvl="5">
+              <a:buNone/>
+              <a:defRPr/>
+            </a:lvl6pPr>
+            <a:lvl7pPr lvl="6">
+              <a:buNone/>
+              <a:defRPr/>
+            </a:lvl7pPr>
+            <a:lvl8pPr lvl="7">
+              <a:buNone/>
+              <a:defRPr/>
+            </a:lvl8pPr>
+            <a:lvl9pPr lvl="8">
+              <a:buNone/>
+              <a:defRPr/>
+            </a:lvl9pPr>
+          </a:lstStyle>
+          <a:p>
+            <a:pPr marL="0" lvl="0" indent="0" algn="r" rtl="0">
+              <a:spcBef>
+                <a:spcPts val="0"/>
+              </a:spcBef>
+              <a:spcAft>
+                <a:spcPts val="0"/>
+              </a:spcAft>
+              <a:buNone/>
+            </a:pPr>
+            <a:fld id="{00000000-1234-1234-1234-123412341234}" type="slidenum">
+              <a:rPr lang="en-GB"/>
+              <a:t>‹#›</a:t>
+            </a:fld>
+            <a:endParaRPr/>
+          </a:p>
+        </p:txBody>
+      </p:sp>
+    </p:spTree>
+  </p:cSld>
+  <p:clrMapOvr>
+    <a:masterClrMapping/>
+  </p:clrMapOvr>
+</p:sldLayout>
+</file>
+
+<file path=ppt/slideLayouts/slideLayout9.xml><?xml version="1.0" encoding="utf-8"?>
+<p:sldLayout xmlns:a="http://schemas.openxmlformats.org/drawingml/2006/main" xmlns:r="http://schemas.openxmlformats.org/officeDocument/2006/relationships" xmlns:p="http://schemas.openxmlformats.org/presentationml/2006/main" matchingName="Big number">
+  <p:cSld name="BIG_NUMBER">
+    <p:spTree>
+      <p:nvGrpSpPr>
+        <p:cNvPr id="1" name="Shape 44"/>
+        <p:cNvGrpSpPr/>
+        <p:nvPr/>
+      </p:nvGrpSpPr>
+      <p:grpSpPr>
+        <a:xfrm>
+          <a:off x="0" y="0"/>
+          <a:ext cx="0" cy="0"/>
+          <a:chOff x="0" y="0"/>
+          <a:chExt cx="0" cy="0"/>
+        </a:xfrm>
+      </p:grpSpPr>
+      <p:sp>
+        <p:nvSpPr>
+          <p:cNvPr id="45" name="Google Shape;45;p11"/>
+          <p:cNvSpPr txBox="1">
+            <a:spLocks noGrp="1"/>
+          </p:cNvSpPr>
+          <p:nvPr>
+            <p:ph type="title" hasCustomPrompt="1"/>
+          </p:nvPr>
+        </p:nvSpPr>
+        <p:spPr>
+          <a:xfrm>
+            <a:off x="311700" y="1106125"/>
+            <a:ext cx="8520600" cy="1963500"/>
+          </a:xfrm>
+          <a:prstGeom prst="rect">
+            <a:avLst/>
+          </a:prstGeom>
+        </p:spPr>
+        <p:txBody>
+          <a:bodyPr spcFirstLastPara="1" wrap="square" lIns="91425" tIns="91425" rIns="91425" bIns="91425" anchor="b" anchorCtr="0">
+            <a:noAutofit/>
+          </a:bodyPr>
+          <a:lstStyle>
+            <a:lvl1pPr lvl="0" algn="ctr">
+              <a:spcBef>
+                <a:spcPts val="0"/>
+              </a:spcBef>
+              <a:spcAft>
+                <a:spcPts val="0"/>
+              </a:spcAft>
+              <a:buSzPts val="12000"/>
+              <a:buNone/>
+              <a:defRPr sz="12000"/>
+            </a:lvl1pPr>
+            <a:lvl2pPr lvl="1" algn="ctr">
+              <a:spcBef>
+                <a:spcPts val="0"/>
+              </a:spcBef>
+              <a:spcAft>
+                <a:spcPts val="0"/>
+              </a:spcAft>
+              <a:buSzPts val="12000"/>
+              <a:buNone/>
+              <a:defRPr sz="12000"/>
+            </a:lvl2pPr>
+            <a:lvl3pPr lvl="2" algn="ctr">
+              <a:spcBef>
+                <a:spcPts val="0"/>
+              </a:spcBef>
+              <a:spcAft>
+                <a:spcPts val="0"/>
+              </a:spcAft>
+              <a:buSzPts val="12000"/>
+              <a:buNone/>
+              <a:defRPr sz="12000"/>
+            </a:lvl3pPr>
+            <a:lvl4pPr lvl="3" algn="ctr">
+              <a:spcBef>
+                <a:spcPts val="0"/>
+              </a:spcBef>
+              <a:spcAft>
+                <a:spcPts val="0"/>
+              </a:spcAft>
+              <a:buSzPts val="12000"/>
+              <a:buNone/>
+              <a:defRPr sz="12000"/>
+            </a:lvl4pPr>
+            <a:lvl5pPr lvl="4" algn="ctr">
+              <a:spcBef>
+                <a:spcPts val="0"/>
+              </a:spcBef>
+              <a:spcAft>
+                <a:spcPts val="0"/>
+              </a:spcAft>
+              <a:buSzPts val="12000"/>
+              <a:buNone/>
+              <a:defRPr sz="12000"/>
+            </a:lvl5pPr>
+            <a:lvl6pPr lvl="5" algn="ctr">
+              <a:spcBef>
+                <a:spcPts val="0"/>
+              </a:spcBef>
+              <a:spcAft>
+                <a:spcPts val="0"/>
+              </a:spcAft>
+              <a:buSzPts val="12000"/>
+              <a:buNone/>
+              <a:defRPr sz="12000"/>
+            </a:lvl6pPr>
+            <a:lvl7pPr lvl="6" algn="ctr">
+              <a:spcBef>
+                <a:spcPts val="0"/>
+              </a:spcBef>
+              <a:spcAft>
+                <a:spcPts val="0"/>
+              </a:spcAft>
+              <a:buSzPts val="12000"/>
+              <a:buNone/>
+              <a:defRPr sz="12000"/>
+            </a:lvl7pPr>
+            <a:lvl8pPr lvl="7" algn="ctr">
+              <a:spcBef>
+                <a:spcPts val="0"/>
+              </a:spcBef>
+              <a:spcAft>
+                <a:spcPts val="0"/>
+              </a:spcAft>
+              <a:buSzPts val="12000"/>
+              <a:buNone/>
+              <a:defRPr sz="12000"/>
+            </a:lvl8pPr>
+            <a:lvl9pPr lvl="8" algn="ctr">
+              <a:spcBef>
+                <a:spcPts val="0"/>
+              </a:spcBef>
+              <a:spcAft>
+                <a:spcPts val="0"/>
+              </a:spcAft>
+              <a:buSzPts val="12000"/>
+              <a:buNone/>
+              <a:defRPr sz="12000"/>
+            </a:lvl9pPr>
+          </a:lstStyle>
+          <a:p>
+            <a:r>
+              <a:t>xx%</a:t>
+            </a:r>
+          </a:p>
+        </p:txBody>
+      </p:sp>
+      <p:sp>
+        <p:nvSpPr>
+          <p:cNvPr id="46" name="Google Shape;46;p11"/>
+          <p:cNvSpPr txBox="1">
+            <a:spLocks noGrp="1"/>
+          </p:cNvSpPr>
+          <p:nvPr>
+            <p:ph type="body" idx="1"/>
+          </p:nvPr>
+        </p:nvSpPr>
+        <p:spPr>
+          <a:xfrm>
+            <a:off x="311700" y="3152225"/>
+            <a:ext cx="8520600" cy="1300800"/>
+          </a:xfrm>
+          <a:prstGeom prst="rect">
+            <a:avLst/>
+          </a:prstGeom>
+        </p:spPr>
+        <p:txBody>
+          <a:bodyPr spcFirstLastPara="1" wrap="square" lIns="91425" tIns="91425" rIns="91425" bIns="91425" anchor="t" anchorCtr="0">
+            <a:noAutofit/>
+          </a:bodyPr>
+          <a:lstStyle>
+            <a:lvl1pPr marL="457200" lvl="0" indent="-342900" algn="ctr">
+              <a:spcBef>
+                <a:spcPts val="0"/>
+              </a:spcBef>
+              <a:spcAft>
+                <a:spcPts val="0"/>
+              </a:spcAft>
+              <a:buSzPts val="1800"/>
+              <a:buChar char="●"/>
+              <a:defRPr/>
+            </a:lvl1pPr>
+            <a:lvl2pPr marL="914400" lvl="1" indent="-317500" algn="ctr">
+              <a:spcBef>
+                <a:spcPts val="0"/>
+              </a:spcBef>
+              <a:spcAft>
+                <a:spcPts val="0"/>
+              </a:spcAft>
+              <a:buSzPts val="1400"/>
+              <a:buChar char="○"/>
+              <a:defRPr/>
+            </a:lvl2pPr>
+            <a:lvl3pPr marL="1371600" lvl="2" indent="-317500" algn="ctr">
+              <a:spcBef>
+                <a:spcPts val="0"/>
+              </a:spcBef>
+              <a:spcAft>
+                <a:spcPts val="0"/>
+              </a:spcAft>
+              <a:buSzPts val="1400"/>
+              <a:buChar char="■"/>
+              <a:defRPr/>
+            </a:lvl3pPr>
+            <a:lvl4pPr marL="1828800" lvl="3" indent="-317500" algn="ctr">
+              <a:spcBef>
+                <a:spcPts val="0"/>
+              </a:spcBef>
+              <a:spcAft>
+                <a:spcPts val="0"/>
+              </a:spcAft>
+              <a:buSzPts val="1400"/>
+              <a:buChar char="●"/>
+              <a:defRPr/>
+            </a:lvl4pPr>
+            <a:lvl5pPr marL="2286000" lvl="4" indent="-317500" algn="ctr">
+              <a:spcBef>
+                <a:spcPts val="0"/>
+              </a:spcBef>
+              <a:spcAft>
+                <a:spcPts val="0"/>
+              </a:spcAft>
+              <a:buSzPts val="1400"/>
+              <a:buChar char="○"/>
+              <a:defRPr/>
+            </a:lvl5pPr>
+            <a:lvl6pPr marL="2743200" lvl="5" indent="-317500" algn="ctr">
+              <a:spcBef>
+                <a:spcPts val="0"/>
+              </a:spcBef>
+              <a:spcAft>
+                <a:spcPts val="0"/>
+              </a:spcAft>
+              <a:buSzPts val="1400"/>
+              <a:buChar char="■"/>
+              <a:defRPr/>
+            </a:lvl6pPr>
+            <a:lvl7pPr marL="3200400" lvl="6" indent="-317500" algn="ctr">
+              <a:spcBef>
+                <a:spcPts val="0"/>
+              </a:spcBef>
+              <a:spcAft>
+                <a:spcPts val="0"/>
+              </a:spcAft>
+              <a:buSzPts val="1400"/>
+              <a:buChar char="●"/>
+              <a:defRPr/>
+            </a:lvl7pPr>
+            <a:lvl8pPr marL="3657600" lvl="7" indent="-317500" algn="ctr">
+              <a:spcBef>
+                <a:spcPts val="0"/>
+              </a:spcBef>
+              <a:spcAft>
+                <a:spcPts val="0"/>
+              </a:spcAft>
+              <a:buSzPts val="1400"/>
+              <a:buChar char="○"/>
+              <a:defRPr/>
+            </a:lvl8pPr>
+            <a:lvl9pPr marL="4114800" lvl="8" indent="-317500" algn="ctr">
+              <a:spcBef>
+                <a:spcPts val="0"/>
+              </a:spcBef>
+              <a:spcAft>
+                <a:spcPts val="0"/>
+              </a:spcAft>
+              <a:buSzPts val="1400"/>
+              <a:buChar char="■"/>
+              <a:defRPr/>
+            </a:lvl9pPr>
+          </a:lstStyle>
+          <a:p>
+            <a:endParaRPr/>
+          </a:p>
+        </p:txBody>
+      </p:sp>
+      <p:sp>
+        <p:nvSpPr>
+          <p:cNvPr id="47" name="Google Shape;47;p11"/>
           <p:cNvSpPr txBox="1">
             <a:spLocks noGrp="1"/>
           </p:cNvSpPr>
@@ -5269,17 +4775,16 @@
   </p:cSld>
   <p:clrMap bg1="lt1" tx1="dk1" bg2="dk2" tx2="lt2" accent1="accent1" accent2="accent2" accent3="accent3" accent4="accent4" accent5="accent5" accent6="accent6" hlink="hlink" folHlink="folHlink"/>
   <p:sldLayoutIdLst>
-    <p:sldLayoutId id="2147483648" r:id="rId1"/>
-    <p:sldLayoutId id="2147483649" r:id="rId2"/>
-    <p:sldLayoutId id="2147483650" r:id="rId3"/>
-    <p:sldLayoutId id="2147483651" r:id="rId4"/>
-    <p:sldLayoutId id="2147483652" r:id="rId5"/>
-    <p:sldLayoutId id="2147483653" r:id="rId6"/>
-    <p:sldLayoutId id="2147483654" r:id="rId7"/>
-    <p:sldLayoutId id="2147483655" r:id="rId8"/>
-    <p:sldLayoutId id="2147483656" r:id="rId9"/>
-    <p:sldLayoutId id="2147483657" r:id="rId10"/>
-    <p:sldLayoutId id="2147483658" r:id="rId11"/>
+    <p:sldLayoutId id="2147483649" r:id="rId1"/>
+    <p:sldLayoutId id="2147483650" r:id="rId2"/>
+    <p:sldLayoutId id="2147483651" r:id="rId3"/>
+    <p:sldLayoutId id="2147483652" r:id="rId4"/>
+    <p:sldLayoutId id="2147483653" r:id="rId5"/>
+    <p:sldLayoutId id="2147483654" r:id="rId6"/>
+    <p:sldLayoutId id="2147483655" r:id="rId7"/>
+    <p:sldLayoutId id="2147483656" r:id="rId8"/>
+    <p:sldLayoutId id="2147483657" r:id="rId9"/>
+    <p:sldLayoutId id="2147483658" r:id="rId10"/>
   </p:sldLayoutIdLst>
   <p:hf sldNum="0" hdr="0" ftr="0" dt="0"/>
   <p:txStyles>
@@ -5979,163 +5484,6 @@
   <p:cSld>
     <p:spTree>
       <p:nvGrpSpPr>
-        <p:cNvPr id="1" name="Shape 53"/>
-        <p:cNvGrpSpPr/>
-        <p:nvPr/>
-      </p:nvGrpSpPr>
-      <p:grpSpPr>
-        <a:xfrm>
-          <a:off x="0" y="0"/>
-          <a:ext cx="0" cy="0"/>
-          <a:chOff x="0" y="0"/>
-          <a:chExt cx="0" cy="0"/>
-        </a:xfrm>
-      </p:grpSpPr>
-      <p:sp>
-        <p:nvSpPr>
-          <p:cNvPr id="54" name="Google Shape;54;p13"/>
-          <p:cNvSpPr txBox="1">
-            <a:spLocks noGrp="1"/>
-          </p:cNvSpPr>
-          <p:nvPr>
-            <p:ph type="ctrTitle"/>
-          </p:nvPr>
-        </p:nvSpPr>
-        <p:spPr>
-          <a:xfrm>
-            <a:off x="311708" y="744575"/>
-            <a:ext cx="8520600" cy="2052600"/>
-          </a:xfrm>
-          <a:prstGeom prst="rect">
-            <a:avLst/>
-          </a:prstGeom>
-        </p:spPr>
-        <p:txBody>
-          <a:bodyPr spcFirstLastPara="1" wrap="square" lIns="91425" tIns="91425" rIns="91425" bIns="91425" anchor="b" anchorCtr="0">
-            <a:noAutofit/>
-          </a:bodyPr>
-          <a:lstStyle/>
-          <a:p>
-            <a:pPr marL="0" lvl="0" indent="0" algn="ctr" rtl="0">
-              <a:spcBef>
-                <a:spcPts val="0"/>
-              </a:spcBef>
-              <a:spcAft>
-                <a:spcPts val="0"/>
-              </a:spcAft>
-              <a:buNone/>
-            </a:pPr>
-            <a:r>
-              <a:rPr lang="en-GB"/>
-              <a:t>K8C</a:t>
-            </a:r>
-            <a:endParaRPr/>
-          </a:p>
-        </p:txBody>
-      </p:sp>
-      <p:sp>
-        <p:nvSpPr>
-          <p:cNvPr id="55" name="Google Shape;55;p13"/>
-          <p:cNvSpPr txBox="1">
-            <a:spLocks noGrp="1"/>
-          </p:cNvSpPr>
-          <p:nvPr>
-            <p:ph type="subTitle" idx="1"/>
-          </p:nvPr>
-        </p:nvSpPr>
-        <p:spPr>
-          <a:xfrm>
-            <a:off x="311700" y="2834125"/>
-            <a:ext cx="8520600" cy="1914900"/>
-          </a:xfrm>
-          <a:prstGeom prst="rect">
-            <a:avLst/>
-          </a:prstGeom>
-        </p:spPr>
-        <p:txBody>
-          <a:bodyPr spcFirstLastPara="1" wrap="square" lIns="91425" tIns="91425" rIns="91425" bIns="91425" anchor="t" anchorCtr="0">
-            <a:noAutofit/>
-          </a:bodyPr>
-          <a:lstStyle/>
-          <a:p>
-            <a:pPr marL="0" lvl="0" indent="0" algn="ctr" rtl="0">
-              <a:spcBef>
-                <a:spcPts val="0"/>
-              </a:spcBef>
-              <a:spcAft>
-                <a:spcPts val="0"/>
-              </a:spcAft>
-              <a:buNone/>
-            </a:pPr>
-            <a:r>
-              <a:rPr lang="en-GB"/>
-              <a:t>Daniel Tsurkan</a:t>
-            </a:r>
-            <a:endParaRPr/>
-          </a:p>
-          <a:p>
-            <a:pPr marL="0" lvl="0" indent="0" algn="ctr" rtl="0">
-              <a:spcBef>
-                <a:spcPts val="0"/>
-              </a:spcBef>
-              <a:spcAft>
-                <a:spcPts val="0"/>
-              </a:spcAft>
-              <a:buNone/>
-            </a:pPr>
-            <a:r>
-              <a:rPr lang="en-GB"/>
-              <a:t>Gadji Dandamaev</a:t>
-            </a:r>
-            <a:endParaRPr/>
-          </a:p>
-          <a:p>
-            <a:pPr marL="0" lvl="0" indent="0" algn="ctr" rtl="0">
-              <a:spcBef>
-                <a:spcPts val="0"/>
-              </a:spcBef>
-              <a:spcAft>
-                <a:spcPts val="0"/>
-              </a:spcAft>
-              <a:buNone/>
-            </a:pPr>
-            <a:r>
-              <a:rPr lang="en-GB"/>
-              <a:t>Tsaturyan Konstantin</a:t>
-            </a:r>
-            <a:endParaRPr/>
-          </a:p>
-          <a:p>
-            <a:pPr marL="0" lvl="0" indent="0" algn="ctr" rtl="0">
-              <a:spcBef>
-                <a:spcPts val="0"/>
-              </a:spcBef>
-              <a:spcAft>
-                <a:spcPts val="0"/>
-              </a:spcAft>
-              <a:buNone/>
-            </a:pPr>
-            <a:r>
-              <a:rPr lang="en-GB"/>
-              <a:t>Smolkin Mikhail</a:t>
-            </a:r>
-            <a:endParaRPr/>
-          </a:p>
-        </p:txBody>
-      </p:sp>
-    </p:spTree>
-  </p:cSld>
-  <p:clrMapOvr>
-    <a:masterClrMapping/>
-  </p:clrMapOvr>
-</p:sld>
-</file>
-
-<file path=ppt/slides/slide2.xml><?xml version="1.0" encoding="utf-8"?>
-<p:sld xmlns:a="http://schemas.openxmlformats.org/drawingml/2006/main" xmlns:r="http://schemas.openxmlformats.org/officeDocument/2006/relationships" xmlns:p="http://schemas.openxmlformats.org/presentationml/2006/main">
-  <p:cSld>
-    <p:spTree>
-      <p:nvGrpSpPr>
         <p:cNvPr id="1" name="Shape 59"/>
         <p:cNvGrpSpPr/>
         <p:nvPr/>
@@ -6476,12 +5824,20 @@
               <a:buNone/>
             </a:pPr>
             <a:r>
+              <a:rPr lang="en-GB" sz="1400">
+                <a:solidFill>
+                  <a:schemeClr val="dk1"/>
+                </a:solidFill>
+              </a:rPr>
+              <a:t>Team K8C: </a:t>
+            </a:r>
+            <a:r>
               <a:rPr lang="en-GB" sz="1400" dirty="0">
                 <a:solidFill>
                   <a:schemeClr val="dk1"/>
                 </a:solidFill>
               </a:rPr>
-              <a:t>Team: Daniel </a:t>
+              <a:t>Daniel </a:t>
             </a:r>
             <a:r>
               <a:rPr lang="en-GB" sz="1400" dirty="0" err="1">
@@ -6529,23 +5885,7 @@
                   <a:schemeClr val="dk1"/>
                 </a:solidFill>
               </a:rPr>
-              <a:t>; </a:t>
-            </a:r>
-            <a:r>
-              <a:rPr lang="en-GB" sz="1400" dirty="0" err="1">
-                <a:solidFill>
-                  <a:schemeClr val="dk1"/>
-                </a:solidFill>
-              </a:rPr>
-              <a:t>Tsaturyan</a:t>
-            </a:r>
-            <a:r>
-              <a:rPr lang="en-GB" sz="1400" dirty="0">
-                <a:solidFill>
-                  <a:schemeClr val="dk1"/>
-                </a:solidFill>
-              </a:rPr>
-              <a:t> Konstantin; </a:t>
+              <a:t>; Tsaturyan Konstantin; </a:t>
             </a:r>
             <a:r>
               <a:rPr lang="en-GB" sz="1400" dirty="0" err="1">
@@ -6650,7 +5990,7 @@
 </p:sld>
 </file>
 
-<file path=ppt/slides/slide3.xml><?xml version="1.0" encoding="utf-8"?>
+<file path=ppt/slides/slide2.xml><?xml version="1.0" encoding="utf-8"?>
 <p:sld xmlns:a="http://schemas.openxmlformats.org/drawingml/2006/main" xmlns:r="http://schemas.openxmlformats.org/officeDocument/2006/relationships" xmlns:p="http://schemas.openxmlformats.org/presentationml/2006/main">
   <p:cSld>
     <p:spTree>
@@ -6941,7 +6281,7 @@
 </p:sld>
 </file>
 
-<file path=ppt/slides/slide4.xml><?xml version="1.0" encoding="utf-8"?>
+<file path=ppt/slides/slide3.xml><?xml version="1.0" encoding="utf-8"?>
 <p:sld xmlns:a="http://schemas.openxmlformats.org/drawingml/2006/main" xmlns:r="http://schemas.openxmlformats.org/officeDocument/2006/relationships" xmlns:p="http://schemas.openxmlformats.org/presentationml/2006/main">
   <p:cSld>
     <p:spTree>
@@ -7044,7 +6384,7 @@
 </p:sld>
 </file>
 
-<file path=ppt/slides/slide5.xml><?xml version="1.0" encoding="utf-8"?>
+<file path=ppt/slides/slide4.xml><?xml version="1.0" encoding="utf-8"?>
 <p:sld xmlns:a="http://schemas.openxmlformats.org/drawingml/2006/main" xmlns:r="http://schemas.openxmlformats.org/officeDocument/2006/relationships" xmlns:p="http://schemas.openxmlformats.org/presentationml/2006/main">
   <p:cSld>
     <p:spTree>

--- a/Task 3.pptx
+++ b/Task 3.pptx
@@ -5,13 +5,14 @@
     <p:sldMasterId id="2147483659" r:id="rId1"/>
   </p:sldMasterIdLst>
   <p:notesMasterIdLst>
-    <p:notesMasterId r:id="rId6"/>
+    <p:notesMasterId r:id="rId7"/>
   </p:notesMasterIdLst>
   <p:sldIdLst>
-    <p:sldId id="257" r:id="rId2"/>
-    <p:sldId id="258" r:id="rId3"/>
-    <p:sldId id="261" r:id="rId4"/>
-    <p:sldId id="262" r:id="rId5"/>
+    <p:sldId id="263" r:id="rId2"/>
+    <p:sldId id="257" r:id="rId3"/>
+    <p:sldId id="258" r:id="rId4"/>
+    <p:sldId id="261" r:id="rId5"/>
+    <p:sldId id="262" r:id="rId6"/>
   </p:sldIdLst>
   <p:sldSz cx="9144000" cy="5143500" type="screen16x9"/>
   <p:notesSz cx="6858000" cy="9144000"/>
@@ -5484,6 +5485,114 @@
   <p:cSld>
     <p:spTree>
       <p:nvGrpSpPr>
+        <p:cNvPr id="1" name=""/>
+        <p:cNvGrpSpPr/>
+        <p:nvPr/>
+      </p:nvGrpSpPr>
+      <p:grpSpPr>
+        <a:xfrm>
+          <a:off x="0" y="0"/>
+          <a:ext cx="0" cy="0"/>
+          <a:chOff x="0" y="0"/>
+          <a:chExt cx="0" cy="0"/>
+        </a:xfrm>
+      </p:grpSpPr>
+      <p:sp>
+        <p:nvSpPr>
+          <p:cNvPr id="2" name="Title 1">
+            <a:extLst>
+              <a:ext uri="{FF2B5EF4-FFF2-40B4-BE49-F238E27FC236}">
+                <a16:creationId xmlns:a16="http://schemas.microsoft.com/office/drawing/2014/main" id="{E1FD2A0D-7F10-4375-A2E2-A24962A8514B}"/>
+              </a:ext>
+            </a:extLst>
+          </p:cNvPr>
+          <p:cNvSpPr>
+            <a:spLocks noGrp="1"/>
+          </p:cNvSpPr>
+          <p:nvPr>
+            <p:ph type="title"/>
+          </p:nvPr>
+        </p:nvSpPr>
+        <p:spPr/>
+        <p:txBody>
+          <a:bodyPr/>
+          <a:lstStyle/>
+          <a:p>
+            <a:r>
+              <a:rPr lang="en-US" dirty="0"/>
+              <a:t>Kubernetes Extender to API Gateway (KEA)</a:t>
+            </a:r>
+            <a:endParaRPr lang="ru-RU" dirty="0"/>
+          </a:p>
+        </p:txBody>
+      </p:sp>
+      <p:sp>
+        <p:nvSpPr>
+          <p:cNvPr id="3" name="TextBox 2">
+            <a:extLst>
+              <a:ext uri="{FF2B5EF4-FFF2-40B4-BE49-F238E27FC236}">
+                <a16:creationId xmlns:a16="http://schemas.microsoft.com/office/drawing/2014/main" id="{488C1DDA-6F73-4303-87C8-F71C7582D65F}"/>
+              </a:ext>
+            </a:extLst>
+          </p:cNvPr>
+          <p:cNvSpPr txBox="1"/>
+          <p:nvPr/>
+        </p:nvSpPr>
+        <p:spPr>
+          <a:xfrm>
+            <a:off x="2905327" y="3242554"/>
+            <a:ext cx="3333345" cy="311285"/>
+          </a:xfrm>
+          <a:prstGeom prst="rect">
+            <a:avLst/>
+          </a:prstGeom>
+          <a:noFill/>
+        </p:spPr>
+        <p:txBody>
+          <a:bodyPr wrap="square" rtlCol="0">
+            <a:spAutoFit/>
+          </a:bodyPr>
+          <a:lstStyle/>
+          <a:p>
+            <a:pPr algn="ctr"/>
+            <a:r>
+              <a:rPr lang="en-US" dirty="0">
+                <a:solidFill>
+                  <a:schemeClr val="bg1">
+                    <a:lumMod val="50000"/>
+                  </a:schemeClr>
+                </a:solidFill>
+              </a:rPr>
+              <a:t>Task 3</a:t>
+            </a:r>
+            <a:endParaRPr lang="ru-RU" dirty="0">
+              <a:solidFill>
+                <a:schemeClr val="bg1">
+                  <a:lumMod val="50000"/>
+                </a:schemeClr>
+              </a:solidFill>
+            </a:endParaRPr>
+          </a:p>
+        </p:txBody>
+      </p:sp>
+    </p:spTree>
+    <p:extLst>
+      <p:ext uri="{BB962C8B-B14F-4D97-AF65-F5344CB8AC3E}">
+        <p14:creationId xmlns:p14="http://schemas.microsoft.com/office/powerpoint/2010/main" val="1844155703"/>
+      </p:ext>
+    </p:extLst>
+  </p:cSld>
+  <p:clrMapOvr>
+    <a:masterClrMapping/>
+  </p:clrMapOvr>
+</p:sld>
+</file>
+
+<file path=ppt/slides/slide2.xml><?xml version="1.0" encoding="utf-8"?>
+<p:sld xmlns:a="http://schemas.openxmlformats.org/drawingml/2006/main" xmlns:r="http://schemas.openxmlformats.org/officeDocument/2006/relationships" xmlns:p="http://schemas.openxmlformats.org/presentationml/2006/main">
+  <p:cSld>
+    <p:spTree>
+      <p:nvGrpSpPr>
         <p:cNvPr id="1" name="Shape 59"/>
         <p:cNvGrpSpPr/>
         <p:nvPr/>
@@ -5990,7 +6099,7 @@
 </p:sld>
 </file>
 
-<file path=ppt/slides/slide2.xml><?xml version="1.0" encoding="utf-8"?>
+<file path=ppt/slides/slide3.xml><?xml version="1.0" encoding="utf-8"?>
 <p:sld xmlns:a="http://schemas.openxmlformats.org/drawingml/2006/main" xmlns:r="http://schemas.openxmlformats.org/officeDocument/2006/relationships" xmlns:p="http://schemas.openxmlformats.org/presentationml/2006/main">
   <p:cSld>
     <p:spTree>
@@ -6281,7 +6390,7 @@
 </p:sld>
 </file>
 
-<file path=ppt/slides/slide3.xml><?xml version="1.0" encoding="utf-8"?>
+<file path=ppt/slides/slide4.xml><?xml version="1.0" encoding="utf-8"?>
 <p:sld xmlns:a="http://schemas.openxmlformats.org/drawingml/2006/main" xmlns:r="http://schemas.openxmlformats.org/officeDocument/2006/relationships" xmlns:p="http://schemas.openxmlformats.org/presentationml/2006/main">
   <p:cSld>
     <p:spTree>
@@ -6384,7 +6493,7 @@
 </p:sld>
 </file>
 
-<file path=ppt/slides/slide4.xml><?xml version="1.0" encoding="utf-8"?>
+<file path=ppt/slides/slide5.xml><?xml version="1.0" encoding="utf-8"?>
 <p:sld xmlns:a="http://schemas.openxmlformats.org/drawingml/2006/main" xmlns:r="http://schemas.openxmlformats.org/officeDocument/2006/relationships" xmlns:p="http://schemas.openxmlformats.org/presentationml/2006/main">
   <p:cSld>
     <p:spTree>
